--- a/template/blood_donation.pptx
+++ b/template/blood_donation.pptx
@@ -7110,10 +7110,10 @@
       </p:pic>
       <p:pic>
         <p:nvPicPr>
-          <p:cNvPr id="45" name="Picture 44">
-            <a:extLst>
-              <a:ext uri="{FF2B5EF4-FFF2-40B4-BE49-F238E27FC236}">
-                <a16:creationId xmlns:a16="http://schemas.microsoft.com/office/drawing/2014/main" id="{17A66060-1F41-9167-4C9E-65CE65F7313D}"/>
+          <p:cNvPr id="47" name="Picture 46">
+            <a:extLst>
+              <a:ext uri="{FF2B5EF4-FFF2-40B4-BE49-F238E27FC236}">
+                <a16:creationId xmlns:a16="http://schemas.microsoft.com/office/drawing/2014/main" id="{AA5E1D8F-A5F0-554A-C7CA-4A154B07AD37}"/>
               </a:ext>
             </a:extLst>
           </p:cNvPr>
@@ -7136,42 +7136,6 @@
         </p:blipFill>
         <p:spPr>
           <a:xfrm>
-            <a:off x="12256774" y="19822926"/>
-            <a:ext cx="5798598" cy="5798598"/>
-          </a:xfrm>
-          <a:prstGeom prst="rect">
-            <a:avLst/>
-          </a:prstGeom>
-        </p:spPr>
-      </p:pic>
-      <p:pic>
-        <p:nvPicPr>
-          <p:cNvPr id="47" name="Picture 46">
-            <a:extLst>
-              <a:ext uri="{FF2B5EF4-FFF2-40B4-BE49-F238E27FC236}">
-                <a16:creationId xmlns:a16="http://schemas.microsoft.com/office/drawing/2014/main" id="{AA5E1D8F-A5F0-554A-C7CA-4A154B07AD37}"/>
-              </a:ext>
-            </a:extLst>
-          </p:cNvPr>
-          <p:cNvPicPr>
-            <a:picLocks noChangeAspect="1"/>
-          </p:cNvPicPr>
-          <p:nvPr/>
-        </p:nvPicPr>
-        <p:blipFill>
-          <a:blip r:embed="rId21">
-            <a:extLst>
-              <a:ext uri="{28A0092B-C50C-407E-A947-70E740481C1C}">
-                <a14:useLocalDpi xmlns:a14="http://schemas.microsoft.com/office/drawing/2010/main" val="0"/>
-              </a:ext>
-            </a:extLst>
-          </a:blip>
-          <a:stretch>
-            <a:fillRect/>
-          </a:stretch>
-        </p:blipFill>
-        <p:spPr>
-          <a:xfrm>
             <a:off x="12340372" y="6107752"/>
             <a:ext cx="5715000" cy="2929742"/>
           </a:xfrm>
@@ -7194,8 +7158,8 @@
         </p:nvSpPr>
         <p:spPr>
           <a:xfrm>
-            <a:off x="12279284" y="19275990"/>
-            <a:ext cx="5817557" cy="343506"/>
+            <a:off x="12279285" y="19275990"/>
+            <a:ext cx="5776088" cy="338554"/>
           </a:xfrm>
           <a:prstGeom prst="rect">
             <a:avLst/>
@@ -7237,7 +7201,7 @@
                 <a:latin typeface="Aharoni" panose="02010803020104030203" pitchFamily="2" charset="-79"/>
                 <a:ea typeface="Verdana" panose="020B0604030504040204" pitchFamily="34" charset="0"/>
                 <a:cs typeface="Aharoni" panose="02010803020104030203" pitchFamily="2" charset="-79"/>
-                <a:hlinkClick r:id="rId22"/>
+                <a:hlinkClick r:id="rId21"/>
               </a:rPr>
               <a:t>here</a:t>
             </a:r>
@@ -7270,7 +7234,7 @@
           <p:nvPr/>
         </p:nvPicPr>
         <p:blipFill>
-          <a:blip r:embed="rId23">
+          <a:blip r:embed="rId22">
             <a:clrChange>
               <a:clrFrom>
                 <a:srgbClr val="FFFFFF"/>
@@ -8417,6 +8381,42 @@
           </a:p>
         </p:txBody>
       </p:sp>
+      <p:pic>
+        <p:nvPicPr>
+          <p:cNvPr id="42" name="Picture 41">
+            <a:extLst>
+              <a:ext uri="{FF2B5EF4-FFF2-40B4-BE49-F238E27FC236}">
+                <a16:creationId xmlns:a16="http://schemas.microsoft.com/office/drawing/2014/main" id="{626F6D09-01EB-16E0-B1A8-C7026EAB89E3}"/>
+              </a:ext>
+            </a:extLst>
+          </p:cNvPr>
+          <p:cNvPicPr>
+            <a:picLocks noChangeAspect="1"/>
+          </p:cNvPicPr>
+          <p:nvPr/>
+        </p:nvPicPr>
+        <p:blipFill>
+          <a:blip r:embed="rId23">
+            <a:extLst>
+              <a:ext uri="{28A0092B-C50C-407E-A947-70E740481C1C}">
+                <a14:useLocalDpi xmlns:a14="http://schemas.microsoft.com/office/drawing/2010/main" val="0"/>
+              </a:ext>
+            </a:extLst>
+          </a:blip>
+          <a:stretch>
+            <a:fillRect/>
+          </a:stretch>
+        </p:blipFill>
+        <p:spPr>
+          <a:xfrm>
+            <a:off x="12247758" y="19820294"/>
+            <a:ext cx="5798598" cy="5798598"/>
+          </a:xfrm>
+          <a:prstGeom prst="rect">
+            <a:avLst/>
+          </a:prstGeom>
+        </p:spPr>
+      </p:pic>
     </p:spTree>
     <p:extLst>
       <p:ext uri="{BB962C8B-B14F-4D97-AF65-F5344CB8AC3E}">

--- a/template/blood_donation.pptx
+++ b/template/blood_donation.pptx
@@ -4004,11 +4004,19 @@
           <a:p>
             <a:r>
               <a:rPr lang="en-US" sz="5600" b="1" dirty="0">
+                <a:latin typeface="Aharoni" panose="02010803020104030203" pitchFamily="2" charset="-79"/>
+                <a:ea typeface="Verdana" panose="020B0604030504040204" pitchFamily="34" charset="0"/>
+                <a:cs typeface="Aharoni" panose="02010803020104030203" pitchFamily="2" charset="-79"/>
+              </a:rPr>
+              <a:t>Malaysia’s Blood Donation Daily Updates </a:t>
+            </a:r>
+            <a:r>
+              <a:rPr lang="en-US" sz="5600" b="1" dirty="0">
                 <a:latin typeface="Verdana" panose="020B0604030504040204" pitchFamily="34" charset="0"/>
                 <a:ea typeface="Verdana" panose="020B0604030504040204" pitchFamily="34" charset="0"/>
                 <a:cs typeface="Aharoni" panose="02010803020104030203" pitchFamily="2" charset="-79"/>
               </a:rPr>
-              <a:t>Malaysia’s Blood Donation Daily Updates (2024)</a:t>
+              <a:t>(2024)</a:t>
             </a:r>
             <a:endParaRPr lang="en-MY" sz="5600" b="1" dirty="0">
               <a:latin typeface="Verdana" panose="020B0604030504040204" pitchFamily="34" charset="0"/>
@@ -4054,8 +4062,9 @@
                     <a:lumOff val="15000"/>
                   </a:schemeClr>
                 </a:solidFill>
-                <a:latin typeface="Verdana" panose="020B0604030504040204" pitchFamily="34" charset="0"/>
+                <a:latin typeface="Aharoni" panose="02010803020104030203" pitchFamily="2" charset="-79"/>
                 <a:ea typeface="Verdana" panose="020B0604030504040204" pitchFamily="34" charset="0"/>
+                <a:cs typeface="Aharoni" panose="02010803020104030203" pitchFamily="2" charset="-79"/>
               </a:rPr>
               <a:t>Data as of </a:t>
             </a:r>
@@ -4067,8 +4076,9 @@
                     <a:lumOff val="15000"/>
                   </a:schemeClr>
                 </a:solidFill>
-                <a:latin typeface="Verdana" panose="020B0604030504040204" pitchFamily="34" charset="0"/>
+                <a:latin typeface="Aharoni" panose="02010803020104030203" pitchFamily="2" charset="-79"/>
                 <a:ea typeface="Verdana" panose="020B0604030504040204" pitchFamily="34" charset="0"/>
+                <a:cs typeface="Aharoni" panose="02010803020104030203" pitchFamily="2" charset="-79"/>
               </a:rPr>
               <a:t>max_date</a:t>
             </a:r>
@@ -4079,8 +4089,9 @@
                   <a:lumOff val="15000"/>
                 </a:schemeClr>
               </a:solidFill>
-              <a:latin typeface="Verdana" panose="020B0604030504040204" pitchFamily="34" charset="0"/>
+              <a:latin typeface="Aharoni" panose="02010803020104030203" pitchFamily="2" charset="-79"/>
               <a:ea typeface="Verdana" panose="020B0604030504040204" pitchFamily="34" charset="0"/>
+              <a:cs typeface="Aharoni" panose="02010803020104030203" pitchFamily="2" charset="-79"/>
             </a:endParaRPr>
           </a:p>
         </p:txBody>
@@ -4229,14 +4240,14 @@
             <a:pPr algn="ctr"/>
             <a:r>
               <a:rPr lang="en-US" sz="3200" b="1" dirty="0">
-                <a:latin typeface="Verdana" panose="020B0604030504040204" pitchFamily="34" charset="0"/>
+                <a:latin typeface="Aharoni" panose="02010803020104030203" pitchFamily="2" charset="-79"/>
                 <a:ea typeface="Verdana" panose="020B0604030504040204" pitchFamily="34" charset="0"/>
                 <a:cs typeface="Aharoni" panose="02010803020104030203" pitchFamily="2" charset="-79"/>
               </a:rPr>
               <a:t>KEDAH</a:t>
             </a:r>
             <a:endParaRPr lang="en-MY" sz="3200" b="1" dirty="0">
-              <a:latin typeface="Verdana" panose="020B0604030504040204" pitchFamily="34" charset="0"/>
+              <a:latin typeface="Aharoni" panose="02010803020104030203" pitchFamily="2" charset="-79"/>
               <a:ea typeface="Verdana" panose="020B0604030504040204" pitchFamily="34" charset="0"/>
               <a:cs typeface="Aharoni" panose="02010803020104030203" pitchFamily="2" charset="-79"/>
             </a:endParaRPr>
@@ -4431,14 +4442,14 @@
             <a:pPr algn="ctr"/>
             <a:r>
               <a:rPr lang="en-US" sz="3200" b="1" dirty="0">
-                <a:latin typeface="Verdana" panose="020B0604030504040204" pitchFamily="34" charset="0"/>
+                <a:latin typeface="Aharoni" panose="02010803020104030203" pitchFamily="2" charset="-79"/>
                 <a:ea typeface="Verdana" panose="020B0604030504040204" pitchFamily="34" charset="0"/>
                 <a:cs typeface="Aharoni" panose="02010803020104030203" pitchFamily="2" charset="-79"/>
               </a:rPr>
               <a:t>PULAU PINANG</a:t>
             </a:r>
             <a:endParaRPr lang="en-MY" sz="3200" b="1" dirty="0">
-              <a:latin typeface="Verdana" panose="020B0604030504040204" pitchFamily="34" charset="0"/>
+              <a:latin typeface="Aharoni" panose="02010803020104030203" pitchFamily="2" charset="-79"/>
               <a:ea typeface="Verdana" panose="020B0604030504040204" pitchFamily="34" charset="0"/>
               <a:cs typeface="Aharoni" panose="02010803020104030203" pitchFamily="2" charset="-79"/>
             </a:endParaRPr>
@@ -4980,14 +4991,16 @@
             <a:pPr algn="ctr"/>
             <a:r>
               <a:rPr lang="en-US" sz="3200" b="1" dirty="0">
-                <a:latin typeface="Verdana" panose="020B0604030504040204" pitchFamily="34" charset="0"/>
+                <a:latin typeface="Aharoni" panose="02010803020104030203" pitchFamily="2" charset="-79"/>
                 <a:ea typeface="Verdana" panose="020B0604030504040204" pitchFamily="34" charset="0"/>
+                <a:cs typeface="Aharoni" panose="02010803020104030203" pitchFamily="2" charset="-79"/>
               </a:rPr>
               <a:t>KUALA LUMPUR</a:t>
             </a:r>
             <a:endParaRPr lang="en-MY" sz="3200" b="1" dirty="0">
-              <a:latin typeface="Verdana" panose="020B0604030504040204" pitchFamily="34" charset="0"/>
+              <a:latin typeface="Aharoni" panose="02010803020104030203" pitchFamily="2" charset="-79"/>
               <a:ea typeface="Verdana" panose="020B0604030504040204" pitchFamily="34" charset="0"/>
+              <a:cs typeface="Aharoni" panose="02010803020104030203" pitchFamily="2" charset="-79"/>
             </a:endParaRPr>
           </a:p>
         </p:txBody>
@@ -5132,14 +5145,14 @@
             <a:pPr algn="ctr"/>
             <a:r>
               <a:rPr lang="en-US" sz="3200" b="1" dirty="0">
-                <a:latin typeface="Verdana" panose="020B0604030504040204" pitchFamily="34" charset="0"/>
+                <a:latin typeface="Aharoni" panose="02010803020104030203" pitchFamily="2" charset="-79"/>
                 <a:ea typeface="Verdana" panose="020B0604030504040204" pitchFamily="34" charset="0"/>
                 <a:cs typeface="Aharoni" panose="02010803020104030203" pitchFamily="2" charset="-79"/>
               </a:rPr>
               <a:t>N. SEMBILAN</a:t>
             </a:r>
             <a:endParaRPr lang="en-MY" sz="3200" b="1" dirty="0">
-              <a:latin typeface="Verdana" panose="020B0604030504040204" pitchFamily="34" charset="0"/>
+              <a:latin typeface="Aharoni" panose="02010803020104030203" pitchFamily="2" charset="-79"/>
               <a:ea typeface="Verdana" panose="020B0604030504040204" pitchFamily="34" charset="0"/>
               <a:cs typeface="Aharoni" panose="02010803020104030203" pitchFamily="2" charset="-79"/>
             </a:endParaRPr>
@@ -5340,14 +5353,14 @@
             <a:pPr algn="ctr"/>
             <a:r>
               <a:rPr lang="en-US" sz="3200" b="1" dirty="0">
-                <a:latin typeface="Verdana" panose="020B0604030504040204" pitchFamily="34" charset="0"/>
+                <a:latin typeface="Aharoni" panose="02010803020104030203" pitchFamily="2" charset="-79"/>
                 <a:ea typeface="Verdana" panose="020B0604030504040204" pitchFamily="34" charset="0"/>
                 <a:cs typeface="Aharoni" panose="02010803020104030203" pitchFamily="2" charset="-79"/>
               </a:rPr>
               <a:t>SABAH</a:t>
             </a:r>
             <a:endParaRPr lang="en-MY" sz="3200" b="1" dirty="0">
-              <a:latin typeface="Verdana" panose="020B0604030504040204" pitchFamily="34" charset="0"/>
+              <a:latin typeface="Aharoni" panose="02010803020104030203" pitchFamily="2" charset="-79"/>
               <a:ea typeface="Verdana" panose="020B0604030504040204" pitchFamily="34" charset="0"/>
               <a:cs typeface="Aharoni" panose="02010803020104030203" pitchFamily="2" charset="-79"/>
             </a:endParaRPr>
@@ -5541,14 +5554,14 @@
             <a:pPr algn="ctr"/>
             <a:r>
               <a:rPr lang="en-US" sz="3200" b="1" dirty="0">
-                <a:latin typeface="Verdana" panose="020B0604030504040204" pitchFamily="34" charset="0"/>
+                <a:latin typeface="Aharoni" panose="02010803020104030203" pitchFamily="2" charset="-79"/>
                 <a:ea typeface="Verdana" panose="020B0604030504040204" pitchFamily="34" charset="0"/>
                 <a:cs typeface="Aharoni" panose="02010803020104030203" pitchFamily="2" charset="-79"/>
               </a:rPr>
               <a:t>SARAWAK</a:t>
             </a:r>
             <a:endParaRPr lang="en-MY" sz="3200" b="1" dirty="0">
-              <a:latin typeface="Verdana" panose="020B0604030504040204" pitchFamily="34" charset="0"/>
+              <a:latin typeface="Aharoni" panose="02010803020104030203" pitchFamily="2" charset="-79"/>
               <a:ea typeface="Verdana" panose="020B0604030504040204" pitchFamily="34" charset="0"/>
               <a:cs typeface="Aharoni" panose="02010803020104030203" pitchFamily="2" charset="-79"/>
             </a:endParaRPr>
@@ -5742,14 +5755,14 @@
             <a:pPr algn="ctr"/>
             <a:r>
               <a:rPr lang="en-US" sz="3200" b="1" dirty="0">
-                <a:latin typeface="Verdana" panose="020B0604030504040204" pitchFamily="34" charset="0"/>
+                <a:latin typeface="Aharoni" panose="02010803020104030203" pitchFamily="2" charset="-79"/>
                 <a:ea typeface="Verdana" panose="020B0604030504040204" pitchFamily="34" charset="0"/>
                 <a:cs typeface="Aharoni" panose="02010803020104030203" pitchFamily="2" charset="-79"/>
               </a:rPr>
               <a:t>KELANTAN</a:t>
             </a:r>
             <a:endParaRPr lang="en-MY" sz="3200" b="1" dirty="0">
-              <a:latin typeface="Verdana" panose="020B0604030504040204" pitchFamily="34" charset="0"/>
+              <a:latin typeface="Aharoni" panose="02010803020104030203" pitchFamily="2" charset="-79"/>
               <a:ea typeface="Verdana" panose="020B0604030504040204" pitchFamily="34" charset="0"/>
               <a:cs typeface="Aharoni" panose="02010803020104030203" pitchFamily="2" charset="-79"/>
             </a:endParaRPr>
@@ -5943,14 +5956,14 @@
             <a:pPr algn="ctr"/>
             <a:r>
               <a:rPr lang="en-US" sz="3200" b="1" dirty="0">
-                <a:latin typeface="Verdana" panose="020B0604030504040204" pitchFamily="34" charset="0"/>
+                <a:latin typeface="Aharoni" panose="02010803020104030203" pitchFamily="2" charset="-79"/>
                 <a:ea typeface="Verdana" panose="020B0604030504040204" pitchFamily="34" charset="0"/>
                 <a:cs typeface="Aharoni" panose="02010803020104030203" pitchFamily="2" charset="-79"/>
               </a:rPr>
               <a:t>TERENGGANU</a:t>
             </a:r>
             <a:endParaRPr lang="en-MY" sz="3200" b="1" dirty="0">
-              <a:latin typeface="Verdana" panose="020B0604030504040204" pitchFamily="34" charset="0"/>
+              <a:latin typeface="Aharoni" panose="02010803020104030203" pitchFamily="2" charset="-79"/>
               <a:ea typeface="Verdana" panose="020B0604030504040204" pitchFamily="34" charset="0"/>
               <a:cs typeface="Aharoni" panose="02010803020104030203" pitchFamily="2" charset="-79"/>
             </a:endParaRPr>
@@ -6144,14 +6157,14 @@
             <a:pPr algn="ctr"/>
             <a:r>
               <a:rPr lang="en-US" sz="3200" b="1" dirty="0">
-                <a:latin typeface="Verdana" panose="020B0604030504040204" pitchFamily="34" charset="0"/>
+                <a:latin typeface="Aharoni" panose="02010803020104030203" pitchFamily="2" charset="-79"/>
                 <a:ea typeface="Verdana" panose="020B0604030504040204" pitchFamily="34" charset="0"/>
                 <a:cs typeface="Aharoni" panose="02010803020104030203" pitchFamily="2" charset="-79"/>
               </a:rPr>
               <a:t>PAHANG</a:t>
             </a:r>
             <a:endParaRPr lang="en-MY" sz="3200" b="1" dirty="0">
-              <a:latin typeface="Verdana" panose="020B0604030504040204" pitchFamily="34" charset="0"/>
+              <a:latin typeface="Aharoni" panose="02010803020104030203" pitchFamily="2" charset="-79"/>
               <a:ea typeface="Verdana" panose="020B0604030504040204" pitchFamily="34" charset="0"/>
               <a:cs typeface="Aharoni" panose="02010803020104030203" pitchFamily="2" charset="-79"/>
             </a:endParaRPr>
@@ -6284,14 +6297,14 @@
             <a:pPr algn="ctr"/>
             <a:r>
               <a:rPr lang="en-US" sz="3200" b="1" dirty="0">
-                <a:latin typeface="Verdana" panose="020B0604030504040204" pitchFamily="34" charset="0"/>
+                <a:latin typeface="Aharoni" panose="02010803020104030203" pitchFamily="2" charset="-79"/>
                 <a:ea typeface="Verdana" panose="020B0604030504040204" pitchFamily="34" charset="0"/>
                 <a:cs typeface="Aharoni" panose="02010803020104030203" pitchFamily="2" charset="-79"/>
               </a:rPr>
               <a:t>MELAKA</a:t>
             </a:r>
             <a:endParaRPr lang="en-MY" sz="3200" b="1" dirty="0">
-              <a:latin typeface="Verdana" panose="020B0604030504040204" pitchFamily="34" charset="0"/>
+              <a:latin typeface="Aharoni" panose="02010803020104030203" pitchFamily="2" charset="-79"/>
               <a:ea typeface="Verdana" panose="020B0604030504040204" pitchFamily="34" charset="0"/>
               <a:cs typeface="Aharoni" panose="02010803020104030203" pitchFamily="2" charset="-79"/>
             </a:endParaRPr>
@@ -6407,7 +6420,7 @@
         </p:nvSpPr>
         <p:spPr>
           <a:xfrm>
-            <a:off x="4344630" y="7820615"/>
+            <a:off x="4275269" y="7748379"/>
             <a:ext cx="4360835" cy="584775"/>
           </a:xfrm>
           <a:prstGeom prst="rect">
@@ -6424,14 +6437,14 @@
             <a:pPr algn="ctr"/>
             <a:r>
               <a:rPr lang="en-US" sz="3200" b="1" dirty="0">
-                <a:latin typeface="Verdana" panose="020B0604030504040204" pitchFamily="34" charset="0"/>
+                <a:latin typeface="Aharoni" panose="02010803020104030203" pitchFamily="2" charset="-79"/>
                 <a:ea typeface="Verdana" panose="020B0604030504040204" pitchFamily="34" charset="0"/>
                 <a:cs typeface="Aharoni" panose="02010803020104030203" pitchFamily="2" charset="-79"/>
               </a:rPr>
               <a:t>JOHOR</a:t>
             </a:r>
             <a:endParaRPr lang="en-MY" sz="3200" b="1" dirty="0">
-              <a:latin typeface="Verdana" panose="020B0604030504040204" pitchFamily="34" charset="0"/>
+              <a:latin typeface="Aharoni" panose="02010803020104030203" pitchFamily="2" charset="-79"/>
               <a:ea typeface="Verdana" panose="020B0604030504040204" pitchFamily="34" charset="0"/>
               <a:cs typeface="Aharoni" panose="02010803020104030203" pitchFamily="2" charset="-79"/>
             </a:endParaRPr>
@@ -6848,14 +6861,14 @@
             <a:pPr algn="ctr"/>
             <a:r>
               <a:rPr lang="en-US" sz="3200" b="1" dirty="0">
-                <a:latin typeface="Verdana" panose="020B0604030504040204" pitchFamily="34" charset="0"/>
+                <a:latin typeface="Aharoni" panose="02010803020104030203" pitchFamily="2" charset="-79"/>
                 <a:ea typeface="Verdana" panose="020B0604030504040204" pitchFamily="34" charset="0"/>
                 <a:cs typeface="Aharoni" panose="02010803020104030203" pitchFamily="2" charset="-79"/>
               </a:rPr>
               <a:t>PUTRAJAYA</a:t>
             </a:r>
             <a:endParaRPr lang="en-MY" sz="3200" b="1" dirty="0">
-              <a:latin typeface="Verdana" panose="020B0604030504040204" pitchFamily="34" charset="0"/>
+              <a:latin typeface="Aharoni" panose="02010803020104030203" pitchFamily="2" charset="-79"/>
               <a:ea typeface="Verdana" panose="020B0604030504040204" pitchFamily="34" charset="0"/>
               <a:cs typeface="Aharoni" panose="02010803020104030203" pitchFamily="2" charset="-79"/>
             </a:endParaRPr>
@@ -7295,7 +7308,7 @@
           <a:p>
             <a:r>
               <a:rPr lang="en-US" sz="4800" b="1" dirty="0">
-                <a:latin typeface="Verdana" panose="020B0604030504040204" pitchFamily="34" charset="0"/>
+                <a:latin typeface="Aharoni" panose="02010803020104030203" pitchFamily="2" charset="-79"/>
                 <a:ea typeface="Verdana" panose="020B0604030504040204" pitchFamily="34" charset="0"/>
                 <a:cs typeface="Aharoni" panose="02010803020104030203" pitchFamily="2" charset="-79"/>
               </a:rPr>
@@ -7303,15 +7316,23 @@
             </a:r>
             <a:r>
               <a:rPr lang="en-US" sz="4000" b="1" dirty="0">
-                <a:latin typeface="Verdana" panose="020B0604030504040204" pitchFamily="34" charset="0"/>
+                <a:latin typeface="Arial Black" panose="020B0A04020102020204" pitchFamily="34" charset="0"/>
                 <a:ea typeface="Verdana" panose="020B0604030504040204" pitchFamily="34" charset="0"/>
                 <a:cs typeface="Aharoni" panose="02010803020104030203" pitchFamily="2" charset="-79"/>
               </a:rPr>
-              <a:t>2024-01-01 </a:t>
+              <a:t>2024-01-01</a:t>
+            </a:r>
+            <a:r>
+              <a:rPr lang="en-US" sz="4000" b="1" dirty="0">
+                <a:latin typeface="Aharoni" panose="02010803020104030203" pitchFamily="2" charset="-79"/>
+                <a:ea typeface="Verdana" panose="020B0604030504040204" pitchFamily="34" charset="0"/>
+                <a:cs typeface="Aharoni" panose="02010803020104030203" pitchFamily="2" charset="-79"/>
+              </a:rPr>
+              <a:t> </a:t>
             </a:r>
             <a:r>
               <a:rPr lang="en-US" sz="4800" b="1" dirty="0">
-                <a:latin typeface="Verdana" panose="020B0604030504040204" pitchFamily="34" charset="0"/>
+                <a:latin typeface="Aharoni" panose="02010803020104030203" pitchFamily="2" charset="-79"/>
                 <a:ea typeface="Verdana" panose="020B0604030504040204" pitchFamily="34" charset="0"/>
                 <a:cs typeface="Aharoni" panose="02010803020104030203" pitchFamily="2" charset="-79"/>
               </a:rPr>
@@ -7319,7 +7340,7 @@
             </a:r>
             <a:r>
               <a:rPr lang="en-US" sz="4000" b="1" dirty="0">
-                <a:latin typeface="Verdana" panose="020B0604030504040204" pitchFamily="34" charset="0"/>
+                <a:latin typeface="Aharoni" panose="02010803020104030203" pitchFamily="2" charset="-79"/>
                 <a:ea typeface="Verdana" panose="020B0604030504040204" pitchFamily="34" charset="0"/>
                 <a:cs typeface="Aharoni" panose="02010803020104030203" pitchFamily="2" charset="-79"/>
               </a:rPr>
@@ -7327,14 +7348,14 @@
             </a:r>
             <a:r>
               <a:rPr lang="en-US" sz="4000" b="1" dirty="0" err="1">
-                <a:latin typeface="Verdana" panose="020B0604030504040204" pitchFamily="34" charset="0"/>
+                <a:latin typeface="Aharoni" panose="02010803020104030203" pitchFamily="2" charset="-79"/>
                 <a:ea typeface="Verdana" panose="020B0604030504040204" pitchFamily="34" charset="0"/>
                 <a:cs typeface="Aharoni" panose="02010803020104030203" pitchFamily="2" charset="-79"/>
               </a:rPr>
               <a:t>last_date</a:t>
             </a:r>
             <a:endParaRPr lang="en-MY" sz="4000" b="1" dirty="0">
-              <a:latin typeface="Verdana" panose="020B0604030504040204" pitchFamily="34" charset="0"/>
+              <a:latin typeface="Aharoni" panose="02010803020104030203" pitchFamily="2" charset="-79"/>
               <a:ea typeface="Verdana" panose="020B0604030504040204" pitchFamily="34" charset="0"/>
               <a:cs typeface="Aharoni" panose="02010803020104030203" pitchFamily="2" charset="-79"/>
             </a:endParaRPr>
@@ -7372,14 +7393,14 @@
             <a:pPr algn="ctr"/>
             <a:r>
               <a:rPr lang="en-US" sz="3200" b="1" dirty="0">
-                <a:latin typeface="Verdana" panose="020B0604030504040204" pitchFamily="34" charset="0"/>
+                <a:latin typeface="Aharoni" panose="02010803020104030203" pitchFamily="2" charset="-79"/>
                 <a:ea typeface="Verdana" panose="020B0604030504040204" pitchFamily="34" charset="0"/>
                 <a:cs typeface="Aharoni" panose="02010803020104030203" pitchFamily="2" charset="-79"/>
               </a:rPr>
               <a:t>LABUAN</a:t>
             </a:r>
             <a:endParaRPr lang="en-MY" sz="3200" b="1" dirty="0">
-              <a:latin typeface="Verdana" panose="020B0604030504040204" pitchFamily="34" charset="0"/>
+              <a:latin typeface="Aharoni" panose="02010803020104030203" pitchFamily="2" charset="-79"/>
               <a:ea typeface="Verdana" panose="020B0604030504040204" pitchFamily="34" charset="0"/>
               <a:cs typeface="Aharoni" panose="02010803020104030203" pitchFamily="2" charset="-79"/>
             </a:endParaRPr>
@@ -8324,14 +8345,14 @@
             <a:pPr algn="ctr"/>
             <a:r>
               <a:rPr lang="en-US" sz="3200" b="1" dirty="0">
-                <a:latin typeface="Verdana" panose="020B0604030504040204" pitchFamily="34" charset="0"/>
+                <a:latin typeface="Aharoni" panose="02010803020104030203" pitchFamily="2" charset="-79"/>
                 <a:ea typeface="Verdana" panose="020B0604030504040204" pitchFamily="34" charset="0"/>
                 <a:cs typeface="Aharoni" panose="02010803020104030203" pitchFamily="2" charset="-79"/>
               </a:rPr>
               <a:t>SELANGOR</a:t>
             </a:r>
             <a:endParaRPr lang="en-MY" sz="3200" b="1" dirty="0">
-              <a:latin typeface="Verdana" panose="020B0604030504040204" pitchFamily="34" charset="0"/>
+              <a:latin typeface="Aharoni" panose="02010803020104030203" pitchFamily="2" charset="-79"/>
               <a:ea typeface="Verdana" panose="020B0604030504040204" pitchFamily="34" charset="0"/>
               <a:cs typeface="Aharoni" panose="02010803020104030203" pitchFamily="2" charset="-79"/>
             </a:endParaRPr>
@@ -8544,14 +8565,22 @@
           <a:p>
             <a:r>
               <a:rPr lang="en-US" sz="5600" b="1" dirty="0">
-                <a:latin typeface="Verdana" panose="020B0604030504040204" pitchFamily="34" charset="0"/>
+                <a:latin typeface="Aharoni" panose="02010803020104030203" pitchFamily="2" charset="-79"/>
                 <a:ea typeface="Verdana" panose="020B0604030504040204" pitchFamily="34" charset="0"/>
                 <a:cs typeface="Aharoni" panose="02010803020104030203" pitchFamily="2" charset="-79"/>
               </a:rPr>
-              <a:t>Malaysia’s Blood Donation Daily Trends (2024)</a:t>
+              <a:t>Malaysia’s Blood Donation Daily Trends </a:t>
+            </a:r>
+            <a:r>
+              <a:rPr lang="en-US" sz="5600" b="1" dirty="0">
+                <a:latin typeface="Arial Black" panose="020B0A04020102020204" pitchFamily="34" charset="0"/>
+                <a:ea typeface="Verdana" panose="020B0604030504040204" pitchFamily="34" charset="0"/>
+                <a:cs typeface="Aharoni" panose="02010803020104030203" pitchFamily="2" charset="-79"/>
+              </a:rPr>
+              <a:t>(2024)</a:t>
             </a:r>
             <a:endParaRPr lang="en-MY" sz="5600" b="1" dirty="0">
-              <a:latin typeface="Verdana" panose="020B0604030504040204" pitchFamily="34" charset="0"/>
+              <a:latin typeface="Arial Black" panose="020B0A04020102020204" pitchFamily="34" charset="0"/>
               <a:ea typeface="Verdana" panose="020B0604030504040204" pitchFamily="34" charset="0"/>
               <a:cs typeface="Aharoni" panose="02010803020104030203" pitchFamily="2" charset="-79"/>
             </a:endParaRPr>
@@ -8764,8 +8793,9 @@
                     <a:lumOff val="15000"/>
                   </a:schemeClr>
                 </a:solidFill>
-                <a:latin typeface="Verdana" panose="020B0604030504040204" pitchFamily="34" charset="0"/>
+                <a:latin typeface="Aharoni" panose="02010803020104030203" pitchFamily="2" charset="-79"/>
                 <a:ea typeface="Verdana" panose="020B0604030504040204" pitchFamily="34" charset="0"/>
+                <a:cs typeface="Aharoni" panose="02010803020104030203" pitchFamily="2" charset="-79"/>
               </a:rPr>
               <a:t>Data as of </a:t>
             </a:r>
@@ -8777,8 +8807,9 @@
                     <a:lumOff val="15000"/>
                   </a:schemeClr>
                 </a:solidFill>
-                <a:latin typeface="Verdana" panose="020B0604030504040204" pitchFamily="34" charset="0"/>
+                <a:latin typeface="Aharoni" panose="02010803020104030203" pitchFamily="2" charset="-79"/>
                 <a:ea typeface="Verdana" panose="020B0604030504040204" pitchFamily="34" charset="0"/>
+                <a:cs typeface="Aharoni" panose="02010803020104030203" pitchFamily="2" charset="-79"/>
               </a:rPr>
               <a:t>max_date</a:t>
             </a:r>
@@ -8789,8 +8820,9 @@
                   <a:lumOff val="15000"/>
                 </a:schemeClr>
               </a:solidFill>
-              <a:latin typeface="Verdana" panose="020B0604030504040204" pitchFamily="34" charset="0"/>
+              <a:latin typeface="Aharoni" panose="02010803020104030203" pitchFamily="2" charset="-79"/>
               <a:ea typeface="Verdana" panose="020B0604030504040204" pitchFamily="34" charset="0"/>
+              <a:cs typeface="Aharoni" panose="02010803020104030203" pitchFamily="2" charset="-79"/>
             </a:endParaRPr>
           </a:p>
         </p:txBody>
@@ -8922,14 +8954,22 @@
           <a:p>
             <a:r>
               <a:rPr lang="en-US" sz="5600" b="1" dirty="0">
-                <a:latin typeface="Verdana" panose="020B0604030504040204" pitchFamily="34" charset="0"/>
+                <a:latin typeface="Aharoni" panose="02010803020104030203" pitchFamily="2" charset="-79"/>
                 <a:ea typeface="Verdana" panose="020B0604030504040204" pitchFamily="34" charset="0"/>
                 <a:cs typeface="Aharoni" panose="02010803020104030203" pitchFamily="2" charset="-79"/>
               </a:rPr>
-              <a:t>Malaysia’s Blood Donation Historical Trends (2006 – 2023)</a:t>
+              <a:t>Malaysia’s Blood Donation Historical Trends </a:t>
+            </a:r>
+            <a:r>
+              <a:rPr lang="en-US" sz="5600" b="1" dirty="0">
+                <a:latin typeface="Arial Black" panose="020B0A04020102020204" pitchFamily="34" charset="0"/>
+                <a:ea typeface="Verdana" panose="020B0604030504040204" pitchFamily="34" charset="0"/>
+                <a:cs typeface="Aharoni" panose="02010803020104030203" pitchFamily="2" charset="-79"/>
+              </a:rPr>
+              <a:t>(2006 – 2023)</a:t>
             </a:r>
             <a:endParaRPr lang="en-MY" sz="5600" b="1" dirty="0">
-              <a:latin typeface="Verdana" panose="020B0604030504040204" pitchFamily="34" charset="0"/>
+              <a:latin typeface="Arial Black" panose="020B0A04020102020204" pitchFamily="34" charset="0"/>
               <a:ea typeface="Verdana" panose="020B0604030504040204" pitchFamily="34" charset="0"/>
               <a:cs typeface="Aharoni" panose="02010803020104030203" pitchFamily="2" charset="-79"/>
             </a:endParaRPr>
@@ -9321,14 +9361,22 @@
           <a:p>
             <a:r>
               <a:rPr lang="en-US" sz="5600" b="1" dirty="0">
-                <a:latin typeface="Verdana" panose="020B0604030504040204" pitchFamily="34" charset="0"/>
+                <a:latin typeface="Aharoni" panose="02010803020104030203" pitchFamily="2" charset="-79"/>
                 <a:ea typeface="Verdana" panose="020B0604030504040204" pitchFamily="34" charset="0"/>
                 <a:cs typeface="Aharoni" panose="02010803020104030203" pitchFamily="2" charset="-79"/>
               </a:rPr>
-              <a:t>Malaysia’s Blood Donation Retention Trends (2012 – 2024)</a:t>
+              <a:t>Malaysia’s Blood Donation Retention Trends </a:t>
+            </a:r>
+            <a:r>
+              <a:rPr lang="en-US" sz="5600" b="1" dirty="0">
+                <a:latin typeface="Arial Black" panose="020B0A04020102020204" pitchFamily="34" charset="0"/>
+                <a:ea typeface="Verdana" panose="020B0604030504040204" pitchFamily="34" charset="0"/>
+                <a:cs typeface="Aharoni" panose="02010803020104030203" pitchFamily="2" charset="-79"/>
+              </a:rPr>
+              <a:t>(2012 – 2024)</a:t>
             </a:r>
             <a:endParaRPr lang="en-MY" sz="5600" b="1" dirty="0">
-              <a:latin typeface="Verdana" panose="020B0604030504040204" pitchFamily="34" charset="0"/>
+              <a:latin typeface="Arial Black" panose="020B0A04020102020204" pitchFamily="34" charset="0"/>
               <a:ea typeface="Verdana" panose="020B0604030504040204" pitchFamily="34" charset="0"/>
               <a:cs typeface="Aharoni" panose="02010803020104030203" pitchFamily="2" charset="-79"/>
             </a:endParaRPr>
@@ -9687,8 +9735,9 @@
                 <a:solidFill>
                   <a:schemeClr val="bg1"/>
                 </a:solidFill>
-                <a:latin typeface="Verdana" panose="020B0604030504040204" pitchFamily="34" charset="0"/>
+                <a:latin typeface="Aharoni" panose="02010803020104030203" pitchFamily="2" charset="-79"/>
                 <a:ea typeface="Verdana" panose="020B0604030504040204" pitchFamily="34" charset="0"/>
+                <a:cs typeface="Aharoni" panose="02010803020104030203" pitchFamily="2" charset="-79"/>
               </a:rPr>
               <a:t>Total Donations</a:t>
             </a:r>
@@ -9696,8 +9745,9 @@
               <a:solidFill>
                 <a:schemeClr val="bg1"/>
               </a:solidFill>
-              <a:latin typeface="Verdana" panose="020B0604030504040204" pitchFamily="34" charset="0"/>
+              <a:latin typeface="Aharoni" panose="02010803020104030203" pitchFamily="2" charset="-79"/>
               <a:ea typeface="Verdana" panose="020B0604030504040204" pitchFamily="34" charset="0"/>
+              <a:cs typeface="Aharoni" panose="02010803020104030203" pitchFamily="2" charset="-79"/>
             </a:endParaRPr>
           </a:p>
         </p:txBody>
@@ -9845,8 +9895,9 @@
                 <a:solidFill>
                   <a:schemeClr val="bg1"/>
                 </a:solidFill>
-                <a:latin typeface="Verdana" panose="020B0604030504040204" pitchFamily="34" charset="0"/>
+                <a:latin typeface="Aharoni" panose="02010803020104030203" pitchFamily="2" charset="-79"/>
                 <a:ea typeface="Verdana" panose="020B0604030504040204" pitchFamily="34" charset="0"/>
+                <a:cs typeface="Aharoni" panose="02010803020104030203" pitchFamily="2" charset="-79"/>
               </a:rPr>
               <a:t>Total Unique Donors</a:t>
             </a:r>
@@ -9854,8 +9905,9 @@
               <a:solidFill>
                 <a:schemeClr val="bg1"/>
               </a:solidFill>
-              <a:latin typeface="Verdana" panose="020B0604030504040204" pitchFamily="34" charset="0"/>
+              <a:latin typeface="Aharoni" panose="02010803020104030203" pitchFamily="2" charset="-79"/>
               <a:ea typeface="Verdana" panose="020B0604030504040204" pitchFamily="34" charset="0"/>
+              <a:cs typeface="Aharoni" panose="02010803020104030203" pitchFamily="2" charset="-79"/>
             </a:endParaRPr>
           </a:p>
         </p:txBody>
@@ -9945,8 +9997,9 @@
                     <a:lumOff val="15000"/>
                   </a:schemeClr>
                 </a:solidFill>
-                <a:latin typeface="Verdana" panose="020B0604030504040204" pitchFamily="34" charset="0"/>
+                <a:latin typeface="Aharoni" panose="02010803020104030203" pitchFamily="2" charset="-79"/>
                 <a:ea typeface="Verdana" panose="020B0604030504040204" pitchFamily="34" charset="0"/>
+                <a:cs typeface="Aharoni" panose="02010803020104030203" pitchFamily="2" charset="-79"/>
               </a:rPr>
               <a:t>Data as of </a:t>
             </a:r>
@@ -9958,8 +10011,9 @@
                     <a:lumOff val="15000"/>
                   </a:schemeClr>
                 </a:solidFill>
-                <a:latin typeface="Verdana" panose="020B0604030504040204" pitchFamily="34" charset="0"/>
+                <a:latin typeface="Aharoni" panose="02010803020104030203" pitchFamily="2" charset="-79"/>
                 <a:ea typeface="Verdana" panose="020B0604030504040204" pitchFamily="34" charset="0"/>
+                <a:cs typeface="Aharoni" panose="02010803020104030203" pitchFamily="2" charset="-79"/>
               </a:rPr>
               <a:t>max_granular_date</a:t>
             </a:r>
@@ -9970,8 +10024,9 @@
                   <a:lumOff val="15000"/>
                 </a:schemeClr>
               </a:solidFill>
-              <a:latin typeface="Verdana" panose="020B0604030504040204" pitchFamily="34" charset="0"/>
+              <a:latin typeface="Aharoni" panose="02010803020104030203" pitchFamily="2" charset="-79"/>
               <a:ea typeface="Verdana" panose="020B0604030504040204" pitchFamily="34" charset="0"/>
+              <a:cs typeface="Aharoni" panose="02010803020104030203" pitchFamily="2" charset="-79"/>
             </a:endParaRPr>
           </a:p>
         </p:txBody>
